--- a/slides/GenAI-Architecture.pptx
+++ b/slides/GenAI-Architecture.pptx
@@ -3926,7 +3926,7 @@
         </p:nvSpPr>
         <p:spPr>
           <a:xfrm>
-            <a:off x="2801006" y="2249213"/>
+            <a:off x="2806265" y="1854391"/>
             <a:ext cx="1366346" cy="525517"/>
           </a:xfrm>
           <a:prstGeom prst="rect">
@@ -3985,8 +3985,8 @@
         </p:nvSpPr>
         <p:spPr>
           <a:xfrm>
-            <a:off x="2801006" y="3237761"/>
-            <a:ext cx="1366346" cy="525517"/>
+            <a:off x="2801005" y="3237761"/>
+            <a:ext cx="2044264" cy="845508"/>
           </a:xfrm>
           <a:prstGeom prst="rect">
             <a:avLst/>
@@ -4018,7 +4018,6 @@
           <a:bodyPr rtlCol="0" anchor="ctr"/>
           <a:lstStyle/>
           <a:p>
-            <a:pPr algn="ctr"/>
             <a:r>
               <a:rPr lang="en-US" dirty="0">
                 <a:solidFill>
@@ -4028,6 +4027,16 @@
               <a:t>LLM</a:t>
             </a:r>
           </a:p>
+          <a:p>
+            <a:r>
+              <a:rPr lang="en-US" dirty="0">
+                <a:solidFill>
+                  <a:sysClr val="windowText" lastClr="000000"/>
+                </a:solidFill>
+              </a:rPr>
+              <a:t>(ChatGPT)</a:t>
+            </a:r>
+          </a:p>
         </p:txBody>
       </p:sp>
       <p:sp>
@@ -4044,7 +4053,7 @@
         </p:nvSpPr>
         <p:spPr>
           <a:xfrm>
-            <a:off x="2801006" y="4231564"/>
+            <a:off x="2790496" y="4769069"/>
             <a:ext cx="1366346" cy="634726"/>
           </a:xfrm>
           <a:prstGeom prst="rect">
@@ -4099,6 +4108,7 @@
             </a:extLst>
           </p:cNvPr>
           <p:cNvCxnSpPr>
+            <a:cxnSpLocks/>
             <a:stCxn id="6" idx="3"/>
             <a:endCxn id="9" idx="1"/>
           </p:cNvCxnSpPr>
@@ -4107,7 +4117,7 @@
         <p:spPr>
           <a:xfrm>
             <a:off x="2081049" y="2511973"/>
-            <a:ext cx="719957" cy="988547"/>
+            <a:ext cx="719956" cy="1148542"/>
           </a:xfrm>
           <a:prstGeom prst="straightConnector1">
             <a:avLst/>
@@ -4150,7 +4160,7 @@
         <p:spPr>
           <a:xfrm>
             <a:off x="2081049" y="3166242"/>
-            <a:ext cx="719957" cy="334278"/>
+            <a:ext cx="719956" cy="494273"/>
           </a:xfrm>
           <a:prstGeom prst="straightConnector1">
             <a:avLst/>
@@ -4192,8 +4202,8 @@
         </p:nvCxnSpPr>
         <p:spPr>
           <a:xfrm flipV="1">
-            <a:off x="2081049" y="3500520"/>
-            <a:ext cx="719957" cy="319991"/>
+            <a:off x="2081049" y="3660515"/>
+            <a:ext cx="719956" cy="159996"/>
           </a:xfrm>
           <a:prstGeom prst="straightConnector1">
             <a:avLst/>
@@ -4277,8 +4287,8 @@
         </p:nvCxnSpPr>
         <p:spPr>
           <a:xfrm>
-            <a:off x="3484179" y="2774730"/>
-            <a:ext cx="0" cy="463031"/>
+            <a:off x="3489438" y="2379908"/>
+            <a:ext cx="333699" cy="857853"/>
           </a:xfrm>
           <a:prstGeom prst="straightConnector1">
             <a:avLst/>
@@ -4319,9 +4329,9 @@
           <p:nvPr/>
         </p:nvCxnSpPr>
         <p:spPr>
-          <a:xfrm>
-            <a:off x="3484179" y="3763278"/>
-            <a:ext cx="0" cy="468286"/>
+          <a:xfrm flipH="1">
+            <a:off x="3473669" y="4083269"/>
+            <a:ext cx="349468" cy="685800"/>
           </a:xfrm>
           <a:prstGeom prst="straightConnector1">
             <a:avLst/>
@@ -4360,15 +4370,26 @@
           <p:nvPr/>
         </p:nvPicPr>
         <p:blipFill>
-          <a:blip r:embed="rId2"/>
+          <a:blip r:embed="rId2">
+            <a:clrChange>
+              <a:clrFrom>
+                <a:srgbClr val="FEFEFE"/>
+              </a:clrFrom>
+              <a:clrTo>
+                <a:srgbClr val="FEFEFE">
+                  <a:alpha val="0"/>
+                </a:srgbClr>
+              </a:clrTo>
+            </a:clrChange>
+          </a:blip>
           <a:stretch>
             <a:fillRect/>
           </a:stretch>
         </p:blipFill>
         <p:spPr>
           <a:xfrm>
-            <a:off x="4190470" y="3217261"/>
-            <a:ext cx="707348" cy="624270"/>
+            <a:off x="3945775" y="3287826"/>
+            <a:ext cx="805718" cy="711086"/>
           </a:xfrm>
           <a:prstGeom prst="rect">
             <a:avLst/>
@@ -4407,59 +4428,157 @@
       </p:grpSpPr>
       <p:sp>
         <p:nvSpPr>
-          <p:cNvPr id="2" name="Title 1">
-            <a:extLst>
-              <a:ext uri="{FF2B5EF4-FFF2-40B4-BE49-F238E27FC236}">
-                <a16:creationId xmlns:a16="http://schemas.microsoft.com/office/drawing/2014/main" id="{813D68CB-DDC5-9A67-E49D-C511F184EAF3}"/>
-              </a:ext>
-            </a:extLst>
-          </p:cNvPr>
-          <p:cNvSpPr>
-            <a:spLocks noGrp="1"/>
-          </p:cNvSpPr>
-          <p:nvPr>
-            <p:ph type="title"/>
-          </p:nvPr>
-        </p:nvSpPr>
-        <p:spPr/>
-        <p:txBody>
-          <a:bodyPr/>
-          <a:lstStyle/>
-          <a:p>
-            <a:r>
-              <a:rPr lang="en-US" dirty="0"/>
-              <a:t>Personas</a:t>
-            </a:r>
-          </a:p>
-        </p:txBody>
-      </p:sp>
-      <p:sp>
-        <p:nvSpPr>
-          <p:cNvPr id="3" name="Content Placeholder 2">
-            <a:extLst>
-              <a:ext uri="{FF2B5EF4-FFF2-40B4-BE49-F238E27FC236}">
-                <a16:creationId xmlns:a16="http://schemas.microsoft.com/office/drawing/2014/main" id="{8134E4BD-80A7-6B9B-2762-067033442B05}"/>
-              </a:ext>
-            </a:extLst>
-          </p:cNvPr>
-          <p:cNvSpPr>
-            <a:spLocks noGrp="1"/>
-          </p:cNvSpPr>
-          <p:nvPr>
-            <p:ph idx="1"/>
-          </p:nvPr>
+          <p:cNvPr id="8" name="Rectangle 7">
+            <a:extLst>
+              <a:ext uri="{FF2B5EF4-FFF2-40B4-BE49-F238E27FC236}">
+                <a16:creationId xmlns:a16="http://schemas.microsoft.com/office/drawing/2014/main" id="{77A5C327-6189-7F4A-ED47-CA21472F506D}"/>
+              </a:ext>
+            </a:extLst>
+          </p:cNvPr>
+          <p:cNvSpPr/>
+          <p:nvPr/>
         </p:nvSpPr>
         <p:spPr>
           <a:xfrm>
-            <a:off x="838200" y="4361793"/>
-            <a:ext cx="10515600" cy="1815170"/>
+            <a:off x="3165784" y="1800778"/>
+            <a:ext cx="2592630" cy="1305566"/>
           </a:xfrm>
+          <a:prstGeom prst="rect">
+            <a:avLst/>
+          </a:prstGeom>
+          <a:solidFill>
+            <a:schemeClr val="accent6">
+              <a:lumMod val="40000"/>
+              <a:lumOff val="60000"/>
+            </a:schemeClr>
+          </a:solidFill>
         </p:spPr>
+        <p:style>
+          <a:lnRef idx="2">
+            <a:schemeClr val="accent1">
+              <a:shade val="15000"/>
+            </a:schemeClr>
+          </a:lnRef>
+          <a:fillRef idx="1">
+            <a:schemeClr val="accent1"/>
+          </a:fillRef>
+          <a:effectRef idx="0">
+            <a:schemeClr val="accent1"/>
+          </a:effectRef>
+          <a:fontRef idx="minor">
+            <a:schemeClr val="lt1"/>
+          </a:fontRef>
+        </p:style>
+        <p:txBody>
+          <a:bodyPr rtlCol="0" anchor="ctr"/>
+          <a:lstStyle/>
+          <a:p>
+            <a:r>
+              <a:rPr lang="en-US" dirty="0">
+                <a:solidFill>
+                  <a:sysClr val="windowText" lastClr="000000"/>
+                </a:solidFill>
+              </a:rPr>
+              <a:t>LLM</a:t>
+            </a:r>
+          </a:p>
+          <a:p>
+            <a:r>
+              <a:rPr lang="en-US" dirty="0">
+                <a:solidFill>
+                  <a:sysClr val="windowText" lastClr="000000"/>
+                </a:solidFill>
+              </a:rPr>
+              <a:t>(ChatGPT)</a:t>
+            </a:r>
+          </a:p>
+        </p:txBody>
+      </p:sp>
+      <p:sp>
+        <p:nvSpPr>
+          <p:cNvPr id="2" name="Title 1">
+            <a:extLst>
+              <a:ext uri="{FF2B5EF4-FFF2-40B4-BE49-F238E27FC236}">
+                <a16:creationId xmlns:a16="http://schemas.microsoft.com/office/drawing/2014/main" id="{813D68CB-DDC5-9A67-E49D-C511F184EAF3}"/>
+              </a:ext>
+            </a:extLst>
+          </p:cNvPr>
+          <p:cNvSpPr>
+            <a:spLocks noGrp="1"/>
+          </p:cNvSpPr>
+          <p:nvPr>
+            <p:ph type="title"/>
+          </p:nvPr>
+        </p:nvSpPr>
+        <p:spPr/>
         <p:txBody>
           <a:bodyPr/>
           <a:lstStyle/>
           <a:p>
-            <a:endParaRPr lang="en-US" dirty="0"/>
+            <a:r>
+              <a:rPr lang="en-US" dirty="0"/>
+              <a:t>Generating Personas</a:t>
+            </a:r>
+          </a:p>
+        </p:txBody>
+      </p:sp>
+      <p:sp>
+        <p:nvSpPr>
+          <p:cNvPr id="3" name="Content Placeholder 2">
+            <a:extLst>
+              <a:ext uri="{FF2B5EF4-FFF2-40B4-BE49-F238E27FC236}">
+                <a16:creationId xmlns:a16="http://schemas.microsoft.com/office/drawing/2014/main" id="{8134E4BD-80A7-6B9B-2762-067033442B05}"/>
+              </a:ext>
+            </a:extLst>
+          </p:cNvPr>
+          <p:cNvSpPr>
+            <a:spLocks noGrp="1"/>
+          </p:cNvSpPr>
+          <p:nvPr>
+            <p:ph idx="1"/>
+          </p:nvPr>
+        </p:nvSpPr>
+        <p:spPr>
+          <a:xfrm>
+            <a:off x="745435" y="4370872"/>
+            <a:ext cx="10515600" cy="1305567"/>
+          </a:xfrm>
+          <a:solidFill>
+            <a:schemeClr val="bg1">
+              <a:lumMod val="85000"/>
+            </a:schemeClr>
+          </a:solidFill>
+        </p:spPr>
+        <p:txBody>
+          <a:bodyPr>
+            <a:normAutofit/>
+          </a:bodyPr>
+          <a:lstStyle/>
+          <a:p>
+            <a:pPr marL="0" indent="0">
+              <a:buNone/>
+            </a:pPr>
+            <a:r>
+              <a:rPr lang="en-US" sz="2000" b="1" i="0" dirty="0">
+                <a:solidFill>
+                  <a:srgbClr val="36464E"/>
+                </a:solidFill>
+                <a:effectLst/>
+                <a:latin typeface="Roboto Mono" pitchFamily="49" charset="0"/>
+              </a:rPr>
+              <a:t>Persona Prompt: </a:t>
+            </a:r>
+            <a:r>
+              <a:rPr lang="en-US" sz="2000" b="0" i="0" dirty="0">
+                <a:solidFill>
+                  <a:srgbClr val="36464E"/>
+                </a:solidFill>
+                <a:effectLst/>
+                <a:latin typeface="Roboto Mono" pitchFamily="49" charset="0"/>
+              </a:rPr>
+              <a:t>For the following robot, generate a list of personas that might be involved in using this robot in a classroom to teach computational thinking.  Return the personas in a markdown list.</a:t>
+            </a:r>
+            <a:endParaRPr lang="en-US" sz="2000" dirty="0"/>
           </a:p>
         </p:txBody>
       </p:sp>
@@ -4477,7 +4596,7 @@
         </p:nvSpPr>
         <p:spPr>
           <a:xfrm>
-            <a:off x="2333296" y="1990233"/>
+            <a:off x="838201" y="2164604"/>
             <a:ext cx="1366346" cy="525517"/>
           </a:xfrm>
           <a:prstGeom prst="rect">
@@ -4536,7 +4655,7 @@
         </p:nvSpPr>
         <p:spPr>
           <a:xfrm>
-            <a:off x="725213" y="1990233"/>
+            <a:off x="838201" y="1425725"/>
             <a:ext cx="1366346" cy="525517"/>
           </a:xfrm>
           <a:prstGeom prst="rect">
@@ -4606,7 +4725,7 @@
         </p:nvSpPr>
         <p:spPr>
           <a:xfrm>
-            <a:off x="3941379" y="1978984"/>
+            <a:off x="838200" y="2903483"/>
             <a:ext cx="1366347" cy="525517"/>
           </a:xfrm>
           <a:prstGeom prst="rect">
@@ -4651,6 +4770,328 @@
           </a:p>
         </p:txBody>
       </p:sp>
+      <p:pic>
+        <p:nvPicPr>
+          <p:cNvPr id="7" name="Picture 6">
+            <a:extLst>
+              <a:ext uri="{FF2B5EF4-FFF2-40B4-BE49-F238E27FC236}">
+                <a16:creationId xmlns:a16="http://schemas.microsoft.com/office/drawing/2014/main" id="{B749085E-5008-C740-B633-7B3F965922BA}"/>
+              </a:ext>
+            </a:extLst>
+          </p:cNvPr>
+          <p:cNvPicPr>
+            <a:picLocks noChangeAspect="1"/>
+          </p:cNvPicPr>
+          <p:nvPr/>
+        </p:nvPicPr>
+        <p:blipFill>
+          <a:blip r:embed="rId2">
+            <a:clrChange>
+              <a:clrFrom>
+                <a:srgbClr val="FEFEFE"/>
+              </a:clrFrom>
+              <a:clrTo>
+                <a:srgbClr val="FEFEFE">
+                  <a:alpha val="0"/>
+                </a:srgbClr>
+              </a:clrTo>
+            </a:clrChange>
+          </a:blip>
+          <a:stretch>
+            <a:fillRect/>
+          </a:stretch>
+        </p:blipFill>
+        <p:spPr>
+          <a:xfrm>
+            <a:off x="4462098" y="1951241"/>
+            <a:ext cx="1163793" cy="1027105"/>
+          </a:xfrm>
+          <a:prstGeom prst="rect">
+            <a:avLst/>
+          </a:prstGeom>
+        </p:spPr>
+      </p:pic>
+      <p:cxnSp>
+        <p:nvCxnSpPr>
+          <p:cNvPr id="9" name="Straight Arrow Connector 8">
+            <a:extLst>
+              <a:ext uri="{FF2B5EF4-FFF2-40B4-BE49-F238E27FC236}">
+                <a16:creationId xmlns:a16="http://schemas.microsoft.com/office/drawing/2014/main" id="{ED36A241-A884-DCFF-AE13-736DB5DE7587}"/>
+              </a:ext>
+            </a:extLst>
+          </p:cNvPr>
+          <p:cNvCxnSpPr>
+            <a:cxnSpLocks/>
+            <a:stCxn id="5" idx="3"/>
+            <a:endCxn id="8" idx="1"/>
+          </p:cNvCxnSpPr>
+          <p:nvPr/>
+        </p:nvCxnSpPr>
+        <p:spPr>
+          <a:xfrm>
+            <a:off x="2204547" y="1688484"/>
+            <a:ext cx="961237" cy="765077"/>
+          </a:xfrm>
+          <a:prstGeom prst="straightConnector1">
+            <a:avLst/>
+          </a:prstGeom>
+          <a:ln>
+            <a:tailEnd type="triangle"/>
+          </a:ln>
+        </p:spPr>
+        <p:style>
+          <a:lnRef idx="2">
+            <a:schemeClr val="accent1"/>
+          </a:lnRef>
+          <a:fillRef idx="0">
+            <a:schemeClr val="accent1"/>
+          </a:fillRef>
+          <a:effectRef idx="1">
+            <a:schemeClr val="accent1"/>
+          </a:effectRef>
+          <a:fontRef idx="minor">
+            <a:schemeClr val="tx1"/>
+          </a:fontRef>
+        </p:style>
+      </p:cxnSp>
+      <p:cxnSp>
+        <p:nvCxnSpPr>
+          <p:cNvPr id="10" name="Straight Arrow Connector 9">
+            <a:extLst>
+              <a:ext uri="{FF2B5EF4-FFF2-40B4-BE49-F238E27FC236}">
+                <a16:creationId xmlns:a16="http://schemas.microsoft.com/office/drawing/2014/main" id="{5DB14FEA-0B33-ADDE-5A49-2233A3A0D95A}"/>
+              </a:ext>
+            </a:extLst>
+          </p:cNvPr>
+          <p:cNvCxnSpPr>
+            <a:cxnSpLocks/>
+            <a:stCxn id="4" idx="3"/>
+            <a:endCxn id="8" idx="1"/>
+          </p:cNvCxnSpPr>
+          <p:nvPr/>
+        </p:nvCxnSpPr>
+        <p:spPr>
+          <a:xfrm>
+            <a:off x="2204547" y="2427363"/>
+            <a:ext cx="961237" cy="26198"/>
+          </a:xfrm>
+          <a:prstGeom prst="straightConnector1">
+            <a:avLst/>
+          </a:prstGeom>
+          <a:ln>
+            <a:tailEnd type="triangle"/>
+          </a:ln>
+        </p:spPr>
+        <p:style>
+          <a:lnRef idx="2">
+            <a:schemeClr val="accent1"/>
+          </a:lnRef>
+          <a:fillRef idx="0">
+            <a:schemeClr val="accent1"/>
+          </a:fillRef>
+          <a:effectRef idx="1">
+            <a:schemeClr val="accent1"/>
+          </a:effectRef>
+          <a:fontRef idx="minor">
+            <a:schemeClr val="tx1"/>
+          </a:fontRef>
+        </p:style>
+      </p:cxnSp>
+      <p:cxnSp>
+        <p:nvCxnSpPr>
+          <p:cNvPr id="11" name="Straight Arrow Connector 10">
+            <a:extLst>
+              <a:ext uri="{FF2B5EF4-FFF2-40B4-BE49-F238E27FC236}">
+                <a16:creationId xmlns:a16="http://schemas.microsoft.com/office/drawing/2014/main" id="{859748D6-CB7E-26E7-1131-542FBEBD6D43}"/>
+              </a:ext>
+            </a:extLst>
+          </p:cNvPr>
+          <p:cNvCxnSpPr>
+            <a:cxnSpLocks/>
+            <a:stCxn id="6" idx="3"/>
+          </p:cNvCxnSpPr>
+          <p:nvPr/>
+        </p:nvCxnSpPr>
+        <p:spPr>
+          <a:xfrm flipV="1">
+            <a:off x="2204547" y="2576257"/>
+            <a:ext cx="961237" cy="589985"/>
+          </a:xfrm>
+          <a:prstGeom prst="straightConnector1">
+            <a:avLst/>
+          </a:prstGeom>
+          <a:ln>
+            <a:tailEnd type="triangle"/>
+          </a:ln>
+        </p:spPr>
+        <p:style>
+          <a:lnRef idx="2">
+            <a:schemeClr val="accent1"/>
+          </a:lnRef>
+          <a:fillRef idx="0">
+            <a:schemeClr val="accent1"/>
+          </a:fillRef>
+          <a:effectRef idx="1">
+            <a:schemeClr val="accent1"/>
+          </a:effectRef>
+          <a:fontRef idx="minor">
+            <a:schemeClr val="tx1"/>
+          </a:fontRef>
+        </p:style>
+      </p:cxnSp>
+      <p:sp>
+        <p:nvSpPr>
+          <p:cNvPr id="24" name="TextBox 23">
+            <a:extLst>
+              <a:ext uri="{FF2B5EF4-FFF2-40B4-BE49-F238E27FC236}">
+                <a16:creationId xmlns:a16="http://schemas.microsoft.com/office/drawing/2014/main" id="{A7F455D5-38C6-CFF0-7D61-DFB29687236A}"/>
+              </a:ext>
+            </a:extLst>
+          </p:cNvPr>
+          <p:cNvSpPr txBox="1"/>
+          <p:nvPr/>
+        </p:nvSpPr>
+        <p:spPr>
+          <a:xfrm>
+            <a:off x="6923693" y="916968"/>
+            <a:ext cx="3657796" cy="3046988"/>
+          </a:xfrm>
+          <a:prstGeom prst="rect">
+            <a:avLst/>
+          </a:prstGeom>
+          <a:noFill/>
+          <a:ln>
+            <a:solidFill>
+              <a:schemeClr val="tx1"/>
+            </a:solidFill>
+          </a:ln>
+        </p:spPr>
+        <p:txBody>
+          <a:bodyPr wrap="none" rtlCol="0">
+            <a:spAutoFit/>
+          </a:bodyPr>
+          <a:lstStyle/>
+          <a:p>
+            <a:r>
+              <a:rPr lang="en-US" sz="2400" b="1" dirty="0"/>
+              <a:t>STEM Robot Kit Personas</a:t>
+            </a:r>
+          </a:p>
+          <a:p>
+            <a:pPr marL="342900" indent="-342900">
+              <a:buFont typeface="+mj-lt"/>
+              <a:buAutoNum type="arabicPeriod"/>
+            </a:pPr>
+            <a:r>
+              <a:rPr lang="en-US" sz="2400" dirty="0"/>
+              <a:t>Student</a:t>
+            </a:r>
+          </a:p>
+          <a:p>
+            <a:pPr marL="342900" indent="-342900">
+              <a:buFont typeface="+mj-lt"/>
+              <a:buAutoNum type="arabicPeriod"/>
+            </a:pPr>
+            <a:r>
+              <a:rPr lang="en-US" sz="2400" dirty="0"/>
+              <a:t>Teacher</a:t>
+            </a:r>
+          </a:p>
+          <a:p>
+            <a:pPr marL="342900" indent="-342900">
+              <a:buFont typeface="+mj-lt"/>
+              <a:buAutoNum type="arabicPeriod"/>
+            </a:pPr>
+            <a:r>
+              <a:rPr lang="en-US" sz="2400" dirty="0"/>
+              <a:t>Volunteer/Mentor</a:t>
+            </a:r>
+          </a:p>
+          <a:p>
+            <a:pPr marL="342900" indent="-342900">
+              <a:buFont typeface="+mj-lt"/>
+              <a:buAutoNum type="arabicPeriod"/>
+            </a:pPr>
+            <a:r>
+              <a:rPr lang="en-US" sz="2400" dirty="0"/>
+              <a:t>Curriculum Developer</a:t>
+            </a:r>
+          </a:p>
+          <a:p>
+            <a:pPr marL="342900" indent="-342900">
+              <a:buFont typeface="+mj-lt"/>
+              <a:buAutoNum type="arabicPeriod"/>
+            </a:pPr>
+            <a:r>
+              <a:rPr lang="en-US" sz="2400" dirty="0"/>
+              <a:t>School Administrators</a:t>
+            </a:r>
+          </a:p>
+          <a:p>
+            <a:pPr marL="342900" indent="-342900">
+              <a:buFont typeface="+mj-lt"/>
+              <a:buAutoNum type="arabicPeriod"/>
+            </a:pPr>
+            <a:r>
+              <a:rPr lang="en-US" sz="2400" dirty="0"/>
+              <a:t>Technical Support</a:t>
+            </a:r>
+          </a:p>
+          <a:p>
+            <a:pPr marL="342900" indent="-342900">
+              <a:buFont typeface="+mj-lt"/>
+              <a:buAutoNum type="arabicPeriod"/>
+            </a:pPr>
+            <a:r>
+              <a:rPr lang="en-US" sz="2400" dirty="0"/>
+              <a:t>Parent/Guardian</a:t>
+            </a:r>
+          </a:p>
+        </p:txBody>
+      </p:sp>
+      <p:cxnSp>
+        <p:nvCxnSpPr>
+          <p:cNvPr id="25" name="Straight Arrow Connector 24">
+            <a:extLst>
+              <a:ext uri="{FF2B5EF4-FFF2-40B4-BE49-F238E27FC236}">
+                <a16:creationId xmlns:a16="http://schemas.microsoft.com/office/drawing/2014/main" id="{48E860FC-83EB-7305-7AB9-B0835484EA80}"/>
+              </a:ext>
+            </a:extLst>
+          </p:cNvPr>
+          <p:cNvCxnSpPr>
+            <a:cxnSpLocks/>
+            <a:stCxn id="8" idx="3"/>
+            <a:endCxn id="24" idx="1"/>
+          </p:cNvCxnSpPr>
+          <p:nvPr/>
+        </p:nvCxnSpPr>
+        <p:spPr>
+          <a:xfrm flipV="1">
+            <a:off x="5758414" y="2440462"/>
+            <a:ext cx="1165279" cy="13099"/>
+          </a:xfrm>
+          <a:prstGeom prst="straightConnector1">
+            <a:avLst/>
+          </a:prstGeom>
+          <a:ln>
+            <a:tailEnd type="triangle"/>
+          </a:ln>
+        </p:spPr>
+        <p:style>
+          <a:lnRef idx="2">
+            <a:schemeClr val="accent1"/>
+          </a:lnRef>
+          <a:fillRef idx="0">
+            <a:schemeClr val="accent1"/>
+          </a:fillRef>
+          <a:effectRef idx="1">
+            <a:schemeClr val="accent1"/>
+          </a:effectRef>
+          <a:fontRef idx="minor">
+            <a:schemeClr val="tx1"/>
+          </a:fontRef>
+        </p:style>
+      </p:cxnSp>
     </p:spTree>
     <p:extLst>
       <p:ext uri="{BB962C8B-B14F-4D97-AF65-F5344CB8AC3E}">
